--- a/notebook/javaer/多线程/ppt/2.ClassLoader详解.pptx
+++ b/notebook/javaer/多线程/ppt/2.ClassLoader详解.pptx
@@ -6,7 +6,8 @@
   </p:sldMasterIdLst>
   <p:sldIdLst>
     <p:sldId id="256" r:id="rId2"/>
-    <p:sldId id="257" r:id="rId3"/>
+    <p:sldId id="258" r:id="rId3"/>
+    <p:sldId id="257" r:id="rId4"/>
   </p:sldIdLst>
   <p:sldSz cx="12192000" cy="6858000"/>
   <p:notesSz cx="6858000" cy="9144000"/>
@@ -105,6 +106,11 @@
       </a:defRPr>
     </a:lvl9pPr>
   </p:defaultTextStyle>
+  <p:extLst>
+    <p:ext uri="{EFAFB233-063F-42B5-8137-9DF3F51BA10A}">
+      <p15:sldGuideLst xmlns:p15="http://schemas.microsoft.com/office/powerpoint/2012/main"/>
+    </p:ext>
+  </p:extLst>
 </p:presentation>
 </file>
 
@@ -610,7 +616,7 @@
           <a:p>
             <a:fld id="{77F9A4F9-EDCA-492E-8943-E0197EFD9A12}" type="datetimeFigureOut">
               <a:rPr lang="zh-CN" altLang="en-US" smtClean="0"/>
-              <a:t>2019/7/22</a:t>
+              <a:t>2019/7/26</a:t>
             </a:fld>
             <a:endParaRPr lang="zh-CN" altLang="en-US"/>
           </a:p>
@@ -906,7 +912,7 @@
           <a:p>
             <a:fld id="{77F9A4F9-EDCA-492E-8943-E0197EFD9A12}" type="datetimeFigureOut">
               <a:rPr lang="zh-CN" altLang="en-US" smtClean="0"/>
-              <a:t>2019/7/22</a:t>
+              <a:t>2019/7/26</a:t>
             </a:fld>
             <a:endParaRPr lang="zh-CN" altLang="en-US"/>
           </a:p>
@@ -1154,7 +1160,7 @@
           <a:p>
             <a:fld id="{77F9A4F9-EDCA-492E-8943-E0197EFD9A12}" type="datetimeFigureOut">
               <a:rPr lang="zh-CN" altLang="en-US" smtClean="0"/>
-              <a:t>2019/7/22</a:t>
+              <a:t>2019/7/26</a:t>
             </a:fld>
             <a:endParaRPr lang="zh-CN" altLang="en-US"/>
           </a:p>
@@ -1694,7 +1700,7 @@
           <a:p>
             <a:fld id="{77F9A4F9-EDCA-492E-8943-E0197EFD9A12}" type="datetimeFigureOut">
               <a:rPr lang="zh-CN" altLang="en-US" smtClean="0"/>
-              <a:t>2019/7/22</a:t>
+              <a:t>2019/7/26</a:t>
             </a:fld>
             <a:endParaRPr lang="zh-CN" altLang="en-US"/>
           </a:p>
@@ -1942,7 +1948,7 @@
           <a:p>
             <a:fld id="{77F9A4F9-EDCA-492E-8943-E0197EFD9A12}" type="datetimeFigureOut">
               <a:rPr lang="zh-CN" altLang="en-US" smtClean="0"/>
-              <a:t>2019/7/22</a:t>
+              <a:t>2019/7/26</a:t>
             </a:fld>
             <a:endParaRPr lang="zh-CN" altLang="en-US"/>
           </a:p>
@@ -2474,7 +2480,7 @@
           <a:p>
             <a:fld id="{77F9A4F9-EDCA-492E-8943-E0197EFD9A12}" type="datetimeFigureOut">
               <a:rPr lang="zh-CN" altLang="en-US" smtClean="0"/>
-              <a:t>2019/7/22</a:t>
+              <a:t>2019/7/26</a:t>
             </a:fld>
             <a:endParaRPr lang="zh-CN" altLang="en-US"/>
           </a:p>
@@ -2771,7 +2777,7 @@
           <a:p>
             <a:fld id="{77F9A4F9-EDCA-492E-8943-E0197EFD9A12}" type="datetimeFigureOut">
               <a:rPr lang="zh-CN" altLang="en-US" smtClean="0"/>
-              <a:t>2019/7/22</a:t>
+              <a:t>2019/7/26</a:t>
             </a:fld>
             <a:endParaRPr lang="zh-CN" altLang="en-US"/>
           </a:p>
@@ -2945,7 +2951,7 @@
           <a:p>
             <a:fld id="{77F9A4F9-EDCA-492E-8943-E0197EFD9A12}" type="datetimeFigureOut">
               <a:rPr lang="zh-CN" altLang="en-US" smtClean="0"/>
-              <a:t>2019/7/22</a:t>
+              <a:t>2019/7/26</a:t>
             </a:fld>
             <a:endParaRPr lang="zh-CN" altLang="en-US"/>
           </a:p>
@@ -3125,7 +3131,7 @@
           <a:p>
             <a:fld id="{77F9A4F9-EDCA-492E-8943-E0197EFD9A12}" type="datetimeFigureOut">
               <a:rPr lang="zh-CN" altLang="en-US" smtClean="0"/>
-              <a:t>2019/7/22</a:t>
+              <a:t>2019/7/26</a:t>
             </a:fld>
             <a:endParaRPr lang="zh-CN" altLang="en-US"/>
           </a:p>
@@ -3295,7 +3301,7 @@
           <a:p>
             <a:fld id="{77F9A4F9-EDCA-492E-8943-E0197EFD9A12}" type="datetimeFigureOut">
               <a:rPr lang="zh-CN" altLang="en-US" smtClean="0"/>
-              <a:t>2019/7/22</a:t>
+              <a:t>2019/7/26</a:t>
             </a:fld>
             <a:endParaRPr lang="zh-CN" altLang="en-US"/>
           </a:p>
@@ -3546,7 +3552,7 @@
           <a:p>
             <a:fld id="{77F9A4F9-EDCA-492E-8943-E0197EFD9A12}" type="datetimeFigureOut">
               <a:rPr lang="zh-CN" altLang="en-US" smtClean="0"/>
-              <a:t>2019/7/22</a:t>
+              <a:t>2019/7/26</a:t>
             </a:fld>
             <a:endParaRPr lang="zh-CN" altLang="en-US"/>
           </a:p>
@@ -3843,7 +3849,7 @@
           <a:p>
             <a:fld id="{77F9A4F9-EDCA-492E-8943-E0197EFD9A12}" type="datetimeFigureOut">
               <a:rPr lang="zh-CN" altLang="en-US" smtClean="0"/>
-              <a:t>2019/7/22</a:t>
+              <a:t>2019/7/26</a:t>
             </a:fld>
             <a:endParaRPr lang="zh-CN" altLang="en-US"/>
           </a:p>
@@ -4285,7 +4291,7 @@
           <a:p>
             <a:fld id="{77F9A4F9-EDCA-492E-8943-E0197EFD9A12}" type="datetimeFigureOut">
               <a:rPr lang="zh-CN" altLang="en-US" smtClean="0"/>
-              <a:t>2019/7/22</a:t>
+              <a:t>2019/7/26</a:t>
             </a:fld>
             <a:endParaRPr lang="zh-CN" altLang="en-US"/>
           </a:p>
@@ -4403,7 +4409,7 @@
           <a:p>
             <a:fld id="{77F9A4F9-EDCA-492E-8943-E0197EFD9A12}" type="datetimeFigureOut">
               <a:rPr lang="zh-CN" altLang="en-US" smtClean="0"/>
-              <a:t>2019/7/22</a:t>
+              <a:t>2019/7/26</a:t>
             </a:fld>
             <a:endParaRPr lang="zh-CN" altLang="en-US"/>
           </a:p>
@@ -4498,7 +4504,7 @@
           <a:p>
             <a:fld id="{77F9A4F9-EDCA-492E-8943-E0197EFD9A12}" type="datetimeFigureOut">
               <a:rPr lang="zh-CN" altLang="en-US" smtClean="0"/>
-              <a:t>2019/7/22</a:t>
+              <a:t>2019/7/26</a:t>
             </a:fld>
             <a:endParaRPr lang="zh-CN" altLang="en-US"/>
           </a:p>
@@ -4781,7 +4787,7 @@
           <a:p>
             <a:fld id="{77F9A4F9-EDCA-492E-8943-E0197EFD9A12}" type="datetimeFigureOut">
               <a:rPr lang="zh-CN" altLang="en-US" smtClean="0"/>
-              <a:t>2019/7/22</a:t>
+              <a:t>2019/7/26</a:t>
             </a:fld>
             <a:endParaRPr lang="zh-CN" altLang="en-US"/>
           </a:p>
@@ -5072,7 +5078,7 @@
           <a:p>
             <a:fld id="{77F9A4F9-EDCA-492E-8943-E0197EFD9A12}" type="datetimeFigureOut">
               <a:rPr lang="zh-CN" altLang="en-US" smtClean="0"/>
-              <a:t>2019/7/22</a:t>
+              <a:t>2019/7/26</a:t>
             </a:fld>
             <a:endParaRPr lang="zh-CN" altLang="en-US"/>
           </a:p>
@@ -5602,7 +5608,7 @@
           <a:p>
             <a:fld id="{77F9A4F9-EDCA-492E-8943-E0197EFD9A12}" type="datetimeFigureOut">
               <a:rPr lang="zh-CN" altLang="en-US" smtClean="0"/>
-              <a:t>2019/7/22</a:t>
+              <a:t>2019/7/26</a:t>
             </a:fld>
             <a:endParaRPr lang="zh-CN" altLang="en-US"/>
           </a:p>
@@ -6215,6 +6221,152 @@
       </p:grpSpPr>
       <p:sp>
         <p:nvSpPr>
+          <p:cNvPr id="2" name="标题 1">
+            <a:extLst>
+              <a:ext uri="{FF2B5EF4-FFF2-40B4-BE49-F238E27FC236}">
+                <a16:creationId xmlns:a16="http://schemas.microsoft.com/office/drawing/2014/main" id="{4D0E5E8B-4FB2-476E-BB6C-543473ACAB74}"/>
+              </a:ext>
+            </a:extLst>
+          </p:cNvPr>
+          <p:cNvSpPr>
+            <a:spLocks noGrp="1"/>
+          </p:cNvSpPr>
+          <p:nvPr>
+            <p:ph type="title"/>
+          </p:nvPr>
+        </p:nvSpPr>
+        <p:spPr/>
+        <p:txBody>
+          <a:bodyPr/>
+          <a:lstStyle/>
+          <a:p>
+            <a:r>
+              <a:rPr lang="en-US" altLang="zh-CN" dirty="0" err="1"/>
+              <a:t>ClassLoader</a:t>
+            </a:r>
+            <a:r>
+              <a:rPr lang="zh-CN" altLang="en-US" dirty="0"/>
+              <a:t>解释</a:t>
+            </a:r>
+          </a:p>
+        </p:txBody>
+      </p:sp>
+      <p:sp>
+        <p:nvSpPr>
+          <p:cNvPr id="3" name="内容占位符 2">
+            <a:extLst>
+              <a:ext uri="{FF2B5EF4-FFF2-40B4-BE49-F238E27FC236}">
+                <a16:creationId xmlns:a16="http://schemas.microsoft.com/office/drawing/2014/main" id="{9AFE7E3B-AA31-494A-A007-0F9E3F2B4A07}"/>
+              </a:ext>
+            </a:extLst>
+          </p:cNvPr>
+          <p:cNvSpPr>
+            <a:spLocks noGrp="1"/>
+          </p:cNvSpPr>
+          <p:nvPr>
+            <p:ph idx="1"/>
+          </p:nvPr>
+        </p:nvSpPr>
+        <p:spPr/>
+        <p:txBody>
+          <a:bodyPr/>
+          <a:lstStyle/>
+          <a:p>
+            <a:r>
+              <a:rPr lang="zh-CN" altLang="en-US" dirty="0"/>
+              <a:t>顾名思义，它是用来加载 </a:t>
+            </a:r>
+            <a:r>
+              <a:rPr lang="en-US" altLang="zh-CN" dirty="0"/>
+              <a:t>Class </a:t>
+            </a:r>
+            <a:r>
+              <a:rPr lang="zh-CN" altLang="en-US" dirty="0"/>
+              <a:t>的。它负责将 </a:t>
+            </a:r>
+            <a:r>
+              <a:rPr lang="en-US" altLang="zh-CN" dirty="0"/>
+              <a:t>Class </a:t>
+            </a:r>
+            <a:r>
+              <a:rPr lang="zh-CN" altLang="en-US" dirty="0"/>
+              <a:t>的字节码形式转换成内存形式的 </a:t>
+            </a:r>
+            <a:r>
+              <a:rPr lang="en-US" altLang="zh-CN" dirty="0"/>
+              <a:t>Class </a:t>
+            </a:r>
+            <a:r>
+              <a:rPr lang="zh-CN" altLang="en-US" dirty="0"/>
+              <a:t>对象。字节码可以来自于磁盘文件 *</a:t>
+            </a:r>
+            <a:r>
+              <a:rPr lang="en-US" altLang="zh-CN" dirty="0"/>
+              <a:t>.class</a:t>
+            </a:r>
+            <a:r>
+              <a:rPr lang="zh-CN" altLang="en-US" dirty="0"/>
+              <a:t>，也可以是 </a:t>
+            </a:r>
+            <a:r>
+              <a:rPr lang="en-US" altLang="zh-CN" dirty="0"/>
+              <a:t>jar </a:t>
+            </a:r>
+            <a:r>
+              <a:rPr lang="zh-CN" altLang="en-US" dirty="0"/>
+              <a:t>包里的 *</a:t>
+            </a:r>
+            <a:r>
+              <a:rPr lang="en-US" altLang="zh-CN" dirty="0"/>
+              <a:t>.class</a:t>
+            </a:r>
+            <a:r>
+              <a:rPr lang="zh-CN" altLang="en-US" dirty="0"/>
+              <a:t>，也可以来自远程服务器提供的字节流，字节码的本质就是一个字节数组 </a:t>
+            </a:r>
+            <a:r>
+              <a:rPr lang="en-US" altLang="zh-CN" dirty="0"/>
+              <a:t>[]byte</a:t>
+            </a:r>
+            <a:r>
+              <a:rPr lang="zh-CN" altLang="en-US" dirty="0"/>
+              <a:t>，它有特定的复杂的内部格式。</a:t>
+            </a:r>
+          </a:p>
+        </p:txBody>
+      </p:sp>
+    </p:spTree>
+    <p:extLst>
+      <p:ext uri="{BB962C8B-B14F-4D97-AF65-F5344CB8AC3E}">
+        <p14:creationId xmlns:p14="http://schemas.microsoft.com/office/powerpoint/2010/main" val="3165402463"/>
+      </p:ext>
+    </p:extLst>
+  </p:cSld>
+  <p:clrMapOvr>
+    <a:masterClrMapping/>
+  </p:clrMapOvr>
+</p:sld>
+</file>
+
+<file path=ppt/slides/slide3.xml><?xml version="1.0" encoding="utf-8"?>
+<p:sld xmlns:a="http://schemas.openxmlformats.org/drawingml/2006/main" xmlns:r="http://schemas.openxmlformats.org/officeDocument/2006/relationships" xmlns:p="http://schemas.openxmlformats.org/presentationml/2006/main">
+  <p:cSld>
+    <p:spTree>
+      <p:nvGrpSpPr>
+        <p:cNvPr id="1" name=""/>
+        <p:cNvGrpSpPr/>
+        <p:nvPr/>
+      </p:nvGrpSpPr>
+      <p:grpSpPr>
+        <a:xfrm>
+          <a:off x="0" y="0"/>
+          <a:ext cx="0" cy="0"/>
+          <a:chOff x="0" y="0"/>
+          <a:chExt cx="0" cy="0"/>
+        </a:xfrm>
+      </p:grpSpPr>
+      <p:sp>
+        <p:nvSpPr>
           <p:cNvPr id="4" name="椭圆 3">
             <a:extLst>
               <a:ext uri="{FF2B5EF4-FFF2-40B4-BE49-F238E27FC236}">
